--- a/Architecture Diagram.pptx
+++ b/Architecture Diagram.pptx
@@ -254,7 +254,7 @@
           <a:p>
             <a:fld id="{2783DC07-CB6A-4D86-8105-2B6F5A8AA3E9}" type="datetimeFigureOut">
               <a:rPr lang="en-SG" smtClean="0"/>
-              <a:t>15/3/2015</a:t>
+              <a:t>12/4/2015</a:t>
             </a:fld>
             <a:endParaRPr lang="en-SG"/>
           </a:p>
@@ -424,7 +424,7 @@
           <a:p>
             <a:fld id="{2783DC07-CB6A-4D86-8105-2B6F5A8AA3E9}" type="datetimeFigureOut">
               <a:rPr lang="en-SG" smtClean="0"/>
-              <a:t>15/3/2015</a:t>
+              <a:t>12/4/2015</a:t>
             </a:fld>
             <a:endParaRPr lang="en-SG"/>
           </a:p>
@@ -604,7 +604,7 @@
           <a:p>
             <a:fld id="{2783DC07-CB6A-4D86-8105-2B6F5A8AA3E9}" type="datetimeFigureOut">
               <a:rPr lang="en-SG" smtClean="0"/>
-              <a:t>15/3/2015</a:t>
+              <a:t>12/4/2015</a:t>
             </a:fld>
             <a:endParaRPr lang="en-SG"/>
           </a:p>
@@ -774,7 +774,7 @@
           <a:p>
             <a:fld id="{2783DC07-CB6A-4D86-8105-2B6F5A8AA3E9}" type="datetimeFigureOut">
               <a:rPr lang="en-SG" smtClean="0"/>
-              <a:t>15/3/2015</a:t>
+              <a:t>12/4/2015</a:t>
             </a:fld>
             <a:endParaRPr lang="en-SG"/>
           </a:p>
@@ -1020,7 +1020,7 @@
           <a:p>
             <a:fld id="{2783DC07-CB6A-4D86-8105-2B6F5A8AA3E9}" type="datetimeFigureOut">
               <a:rPr lang="en-SG" smtClean="0"/>
-              <a:t>15/3/2015</a:t>
+              <a:t>12/4/2015</a:t>
             </a:fld>
             <a:endParaRPr lang="en-SG"/>
           </a:p>
@@ -1252,7 +1252,7 @@
           <a:p>
             <a:fld id="{2783DC07-CB6A-4D86-8105-2B6F5A8AA3E9}" type="datetimeFigureOut">
               <a:rPr lang="en-SG" smtClean="0"/>
-              <a:t>15/3/2015</a:t>
+              <a:t>12/4/2015</a:t>
             </a:fld>
             <a:endParaRPr lang="en-SG"/>
           </a:p>
@@ -1619,7 +1619,7 @@
           <a:p>
             <a:fld id="{2783DC07-CB6A-4D86-8105-2B6F5A8AA3E9}" type="datetimeFigureOut">
               <a:rPr lang="en-SG" smtClean="0"/>
-              <a:t>15/3/2015</a:t>
+              <a:t>12/4/2015</a:t>
             </a:fld>
             <a:endParaRPr lang="en-SG"/>
           </a:p>
@@ -1737,7 +1737,7 @@
           <a:p>
             <a:fld id="{2783DC07-CB6A-4D86-8105-2B6F5A8AA3E9}" type="datetimeFigureOut">
               <a:rPr lang="en-SG" smtClean="0"/>
-              <a:t>15/3/2015</a:t>
+              <a:t>12/4/2015</a:t>
             </a:fld>
             <a:endParaRPr lang="en-SG"/>
           </a:p>
@@ -1832,7 +1832,7 @@
           <a:p>
             <a:fld id="{2783DC07-CB6A-4D86-8105-2B6F5A8AA3E9}" type="datetimeFigureOut">
               <a:rPr lang="en-SG" smtClean="0"/>
-              <a:t>15/3/2015</a:t>
+              <a:t>12/4/2015</a:t>
             </a:fld>
             <a:endParaRPr lang="en-SG"/>
           </a:p>
@@ -2109,7 +2109,7 @@
           <a:p>
             <a:fld id="{2783DC07-CB6A-4D86-8105-2B6F5A8AA3E9}" type="datetimeFigureOut">
               <a:rPr lang="en-SG" smtClean="0"/>
-              <a:t>15/3/2015</a:t>
+              <a:t>12/4/2015</a:t>
             </a:fld>
             <a:endParaRPr lang="en-SG"/>
           </a:p>
@@ -2362,7 +2362,7 @@
           <a:p>
             <a:fld id="{2783DC07-CB6A-4D86-8105-2B6F5A8AA3E9}" type="datetimeFigureOut">
               <a:rPr lang="en-SG" smtClean="0"/>
-              <a:t>15/3/2015</a:t>
+              <a:t>12/4/2015</a:t>
             </a:fld>
             <a:endParaRPr lang="en-SG"/>
           </a:p>
@@ -2575,7 +2575,7 @@
           <a:p>
             <a:fld id="{2783DC07-CB6A-4D86-8105-2B6F5A8AA3E9}" type="datetimeFigureOut">
               <a:rPr lang="en-SG" smtClean="0"/>
-              <a:t>15/3/2015</a:t>
+              <a:t>12/4/2015</a:t>
             </a:fld>
             <a:endParaRPr lang="en-SG"/>
           </a:p>
@@ -2982,24 +2982,29 @@
       </p:grpSpPr>
       <p:sp>
         <p:nvSpPr>
-          <p:cNvPr id="5" name="Rounded Rectangle 4"/>
+          <p:cNvPr id="25" name="Rounded Rectangle 24"/>
           <p:cNvSpPr/>
           <p:nvPr/>
         </p:nvSpPr>
         <p:spPr>
           <a:xfrm>
-            <a:off x="721217" y="317678"/>
-            <a:ext cx="2160000" cy="4680000"/>
+            <a:off x="2076449" y="199374"/>
+            <a:ext cx="7677151" cy="6343228"/>
           </a:xfrm>
           <a:prstGeom prst="roundRect">
             <a:avLst/>
           </a:prstGeom>
           <a:solidFill>
-            <a:srgbClr val="99CCFF"/>
+            <a:schemeClr val="bg1">
+              <a:lumMod val="85000"/>
+              <a:alpha val="20000"/>
+            </a:schemeClr>
           </a:solidFill>
-          <a:ln w="38100">
+          <a:ln>
             <a:solidFill>
-              <a:srgbClr val="376085"/>
+              <a:schemeClr val="bg1">
+                <a:lumMod val="85000"/>
+              </a:schemeClr>
             </a:solidFill>
           </a:ln>
         </p:spPr>
@@ -3030,24 +3035,24 @@
       </p:sp>
       <p:sp>
         <p:nvSpPr>
-          <p:cNvPr id="6" name="Rounded Rectangle 5"/>
+          <p:cNvPr id="5" name="Rounded Rectangle 4"/>
           <p:cNvSpPr/>
           <p:nvPr/>
         </p:nvSpPr>
         <p:spPr>
           <a:xfrm>
-            <a:off x="4359718" y="317678"/>
-            <a:ext cx="2160000" cy="4680000"/>
+            <a:off x="2681313" y="1933078"/>
+            <a:ext cx="1350000" cy="2880000"/>
           </a:xfrm>
           <a:prstGeom prst="roundRect">
             <a:avLst/>
           </a:prstGeom>
           <a:solidFill>
-            <a:srgbClr val="FF7C80"/>
+            <a:srgbClr val="99CCFF"/>
           </a:solidFill>
           <a:ln w="38100">
             <a:solidFill>
-              <a:srgbClr val="F20006"/>
+              <a:srgbClr val="376085"/>
             </a:solidFill>
           </a:ln>
         </p:spPr>
@@ -3078,24 +3083,24 @@
       </p:sp>
       <p:sp>
         <p:nvSpPr>
-          <p:cNvPr id="7" name="Rounded Rectangle 6"/>
+          <p:cNvPr id="6" name="Rounded Rectangle 5"/>
           <p:cNvSpPr/>
           <p:nvPr/>
         </p:nvSpPr>
         <p:spPr>
           <a:xfrm>
-            <a:off x="8817283" y="3197678"/>
-            <a:ext cx="2520000" cy="1800000"/>
+            <a:off x="5301996" y="1933078"/>
+            <a:ext cx="1350000" cy="2880000"/>
           </a:xfrm>
           <a:prstGeom prst="roundRect">
             <a:avLst/>
           </a:prstGeom>
           <a:solidFill>
-            <a:srgbClr val="60F67D"/>
+            <a:srgbClr val="FF7C80"/>
           </a:solidFill>
           <a:ln w="38100">
             <a:solidFill>
-              <a:srgbClr val="088E22"/>
+              <a:srgbClr val="F20006"/>
             </a:solidFill>
           </a:ln>
         </p:spPr>
@@ -3126,24 +3131,24 @@
       </p:sp>
       <p:sp>
         <p:nvSpPr>
-          <p:cNvPr id="8" name="Rounded Rectangle 7"/>
+          <p:cNvPr id="7" name="Rounded Rectangle 6"/>
           <p:cNvSpPr/>
           <p:nvPr/>
         </p:nvSpPr>
         <p:spPr>
           <a:xfrm>
-            <a:off x="6408501" y="4993990"/>
-            <a:ext cx="2520000" cy="1800000"/>
+            <a:off x="7704479" y="305222"/>
+            <a:ext cx="1350000" cy="1800000"/>
           </a:xfrm>
           <a:prstGeom prst="roundRect">
             <a:avLst/>
           </a:prstGeom>
           <a:solidFill>
-            <a:srgbClr val="F6F973"/>
+            <a:srgbClr val="60F67D"/>
           </a:solidFill>
           <a:ln w="38100">
             <a:solidFill>
-              <a:srgbClr val="C8CD09"/>
+              <a:srgbClr val="088E22"/>
             </a:solidFill>
           </a:ln>
         </p:spPr>
@@ -3174,24 +3179,24 @@
       </p:sp>
       <p:sp>
         <p:nvSpPr>
-          <p:cNvPr id="9" name="Rounded Rectangle 8"/>
+          <p:cNvPr id="8" name="Rounded Rectangle 7"/>
           <p:cNvSpPr/>
           <p:nvPr/>
         </p:nvSpPr>
         <p:spPr>
           <a:xfrm>
-            <a:off x="8817283" y="315324"/>
-            <a:ext cx="2520000" cy="1800000"/>
+            <a:off x="7704479" y="4640934"/>
+            <a:ext cx="1350000" cy="1800000"/>
           </a:xfrm>
           <a:prstGeom prst="roundRect">
             <a:avLst/>
           </a:prstGeom>
           <a:solidFill>
-            <a:srgbClr val="F07CE2"/>
+            <a:srgbClr val="F6F973"/>
           </a:solidFill>
           <a:ln w="38100">
             <a:solidFill>
-              <a:srgbClr val="A91397"/>
+              <a:srgbClr val="C8CD09"/>
             </a:solidFill>
           </a:ln>
         </p:spPr>
@@ -3216,202 +3221,213 @@
           <a:lstStyle/>
           <a:p>
             <a:pPr algn="ctr"/>
-            <a:endParaRPr lang="en-SG" dirty="0" smtClean="0">
-              <a:solidFill>
-                <a:schemeClr val="tx1"/>
-              </a:solidFill>
-            </a:endParaRPr>
-          </a:p>
-        </p:txBody>
-      </p:sp>
-      <p:sp>
-        <p:nvSpPr>
-          <p:cNvPr id="10" name="TextBox 9"/>
-          <p:cNvSpPr txBox="1"/>
+            <a:endParaRPr lang="en-SG"/>
+          </a:p>
+        </p:txBody>
+      </p:sp>
+      <p:sp>
+        <p:nvSpPr>
+          <p:cNvPr id="9" name="Rounded Rectangle 8"/>
+          <p:cNvSpPr/>
           <p:nvPr/>
         </p:nvSpPr>
         <p:spPr>
           <a:xfrm>
-            <a:off x="4868888" y="2115324"/>
-            <a:ext cx="1141659" cy="646331"/>
-          </a:xfrm>
-          <a:prstGeom prst="rect">
+            <a:off x="7704479" y="2473078"/>
+            <a:ext cx="1350000" cy="1800000"/>
+          </a:xfrm>
+          <a:prstGeom prst="roundRect">
             <a:avLst/>
           </a:prstGeom>
-          <a:noFill/>
-        </p:spPr>
-        <p:txBody>
-          <a:bodyPr wrap="none" rtlCol="0">
-            <a:spAutoFit/>
-          </a:bodyPr>
-          <a:lstStyle/>
-          <a:p>
-            <a:pPr algn="ctr"/>
-            <a:r>
-              <a:rPr lang="en-SG" sz="3600" dirty="0" smtClean="0"/>
-              <a:t>Logic</a:t>
-            </a:r>
-            <a:endParaRPr lang="en-SG" sz="3600" dirty="0"/>
-          </a:p>
-        </p:txBody>
-      </p:sp>
-      <p:sp>
-        <p:nvSpPr>
-          <p:cNvPr id="12" name="TextBox 11"/>
-          <p:cNvSpPr txBox="1"/>
-          <p:nvPr/>
-        </p:nvSpPr>
-        <p:spPr>
-          <a:xfrm>
-            <a:off x="9353120" y="892159"/>
-            <a:ext cx="1624163" cy="646331"/>
-          </a:xfrm>
-          <a:prstGeom prst="rect">
-            <a:avLst/>
-          </a:prstGeom>
-          <a:noFill/>
-        </p:spPr>
-        <p:txBody>
-          <a:bodyPr wrap="none" rtlCol="0">
-            <a:spAutoFit/>
-          </a:bodyPr>
-          <a:lstStyle/>
-          <a:p>
-            <a:r>
-              <a:rPr lang="en-SG" sz="3600" dirty="0" smtClean="0"/>
-              <a:t>Planner</a:t>
-            </a:r>
-            <a:endParaRPr lang="en-SG" sz="3600" dirty="0"/>
-          </a:p>
-        </p:txBody>
-      </p:sp>
-      <p:sp>
-        <p:nvSpPr>
-          <p:cNvPr id="13" name="TextBox 12"/>
-          <p:cNvSpPr txBox="1"/>
-          <p:nvPr/>
-        </p:nvSpPr>
-        <p:spPr>
-          <a:xfrm>
-            <a:off x="1356223" y="2306313"/>
-            <a:ext cx="889987" cy="646331"/>
-          </a:xfrm>
-          <a:prstGeom prst="rect">
-            <a:avLst/>
-          </a:prstGeom>
-          <a:noFill/>
-        </p:spPr>
-        <p:txBody>
-          <a:bodyPr wrap="none" rtlCol="0">
-            <a:spAutoFit/>
-          </a:bodyPr>
-          <a:lstStyle/>
-          <a:p>
-            <a:r>
-              <a:rPr lang="en-SG" sz="3600" dirty="0" smtClean="0"/>
-              <a:t>GUI</a:t>
-            </a:r>
-            <a:endParaRPr lang="en-SG" sz="3600" dirty="0"/>
-          </a:p>
-        </p:txBody>
-      </p:sp>
-      <p:sp>
-        <p:nvSpPr>
-          <p:cNvPr id="14" name="TextBox 13"/>
-          <p:cNvSpPr txBox="1"/>
-          <p:nvPr/>
-        </p:nvSpPr>
-        <p:spPr>
-          <a:xfrm>
-            <a:off x="6873053" y="5570824"/>
-            <a:ext cx="1604735" cy="646331"/>
-          </a:xfrm>
-          <a:prstGeom prst="rect">
-            <a:avLst/>
-          </a:prstGeom>
-          <a:noFill/>
-        </p:spPr>
-        <p:txBody>
-          <a:bodyPr wrap="none" rtlCol="0">
-            <a:spAutoFit/>
-          </a:bodyPr>
-          <a:lstStyle/>
-          <a:p>
-            <a:r>
-              <a:rPr lang="en-SG" sz="3600" dirty="0" smtClean="0"/>
-              <a:t>Storage</a:t>
-            </a:r>
-            <a:endParaRPr lang="en-SG" sz="3600" dirty="0"/>
-          </a:p>
-        </p:txBody>
-      </p:sp>
-      <p:sp>
-        <p:nvSpPr>
-          <p:cNvPr id="15" name="TextBox 14"/>
-          <p:cNvSpPr txBox="1"/>
-          <p:nvPr/>
-        </p:nvSpPr>
-        <p:spPr>
-          <a:xfrm>
-            <a:off x="9584616" y="3772668"/>
-            <a:ext cx="985334" cy="646331"/>
-          </a:xfrm>
-          <a:prstGeom prst="rect">
-            <a:avLst/>
-          </a:prstGeom>
-          <a:noFill/>
-        </p:spPr>
-        <p:txBody>
-          <a:bodyPr wrap="none" rtlCol="0">
-            <a:spAutoFit/>
-          </a:bodyPr>
-          <a:lstStyle/>
-          <a:p>
-            <a:r>
-              <a:rPr lang="en-SG" sz="3600" dirty="0" smtClean="0"/>
-              <a:t>Task</a:t>
-            </a:r>
-            <a:endParaRPr lang="en-SG" sz="3600" dirty="0"/>
-          </a:p>
-        </p:txBody>
-      </p:sp>
-      <p:cxnSp>
-        <p:nvCxnSpPr>
-          <p:cNvPr id="17" name="Straight Arrow Connector 16"/>
-          <p:cNvCxnSpPr/>
-          <p:nvPr/>
-        </p:nvCxnSpPr>
-        <p:spPr>
-          <a:xfrm>
-            <a:off x="2881217" y="2629479"/>
-            <a:ext cx="1478501" cy="0"/>
-          </a:xfrm>
-          <a:prstGeom prst="straightConnector1">
-            <a:avLst/>
-          </a:prstGeom>
-          <a:ln w="88900">
+          <a:solidFill>
+            <a:srgbClr val="F07CE2"/>
+          </a:solidFill>
+          <a:ln w="38100">
             <a:solidFill>
-              <a:schemeClr val="tx1"/>
+              <a:srgbClr val="A91397"/>
             </a:solidFill>
-            <a:headEnd type="triangle"/>
-            <a:tailEnd type="triangle"/>
           </a:ln>
         </p:spPr>
         <p:style>
-          <a:lnRef idx="1">
-            <a:schemeClr val="accent1"/>
+          <a:lnRef idx="2">
+            <a:schemeClr val="accent1">
+              <a:shade val="50000"/>
+            </a:schemeClr>
           </a:lnRef>
-          <a:fillRef idx="0">
+          <a:fillRef idx="1">
             <a:schemeClr val="accent1"/>
           </a:fillRef>
           <a:effectRef idx="0">
             <a:schemeClr val="accent1"/>
           </a:effectRef>
           <a:fontRef idx="minor">
-            <a:schemeClr val="tx1"/>
+            <a:schemeClr val="lt1"/>
           </a:fontRef>
         </p:style>
-      </p:cxnSp>
+        <p:txBody>
+          <a:bodyPr rtlCol="0" anchor="ctr"/>
+          <a:lstStyle/>
+          <a:p>
+            <a:pPr algn="ctr"/>
+            <a:endParaRPr lang="en-SG" dirty="0" smtClean="0">
+              <a:solidFill>
+                <a:schemeClr val="tx1"/>
+              </a:solidFill>
+            </a:endParaRPr>
+          </a:p>
+        </p:txBody>
+      </p:sp>
+      <p:sp>
+        <p:nvSpPr>
+          <p:cNvPr id="10" name="TextBox 9"/>
+          <p:cNvSpPr txBox="1"/>
+          <p:nvPr/>
+        </p:nvSpPr>
+        <p:spPr>
+          <a:xfrm>
+            <a:off x="5562459" y="3197677"/>
+            <a:ext cx="829074" cy="461665"/>
+          </a:xfrm>
+          <a:prstGeom prst="rect">
+            <a:avLst/>
+          </a:prstGeom>
+          <a:noFill/>
+        </p:spPr>
+        <p:txBody>
+          <a:bodyPr wrap="none" rtlCol="0">
+            <a:spAutoFit/>
+          </a:bodyPr>
+          <a:lstStyle/>
+          <a:p>
+            <a:pPr algn="ctr"/>
+            <a:r>
+              <a:rPr lang="en-SG" sz="2400" b="1" dirty="0" smtClean="0"/>
+              <a:t>Logic</a:t>
+            </a:r>
+            <a:endParaRPr lang="en-SG" sz="2400" b="1" dirty="0"/>
+          </a:p>
+        </p:txBody>
+      </p:sp>
+      <p:sp>
+        <p:nvSpPr>
+          <p:cNvPr id="12" name="TextBox 11"/>
+          <p:cNvSpPr txBox="1"/>
+          <p:nvPr/>
+        </p:nvSpPr>
+        <p:spPr>
+          <a:xfrm>
+            <a:off x="7800855" y="974389"/>
+            <a:ext cx="1170513" cy="461665"/>
+          </a:xfrm>
+          <a:prstGeom prst="rect">
+            <a:avLst/>
+          </a:prstGeom>
+          <a:noFill/>
+        </p:spPr>
+        <p:txBody>
+          <a:bodyPr wrap="none" rtlCol="0">
+            <a:spAutoFit/>
+          </a:bodyPr>
+          <a:lstStyle/>
+          <a:p>
+            <a:r>
+              <a:rPr lang="en-SG" sz="2400" b="1" dirty="0" smtClean="0"/>
+              <a:t>Planner</a:t>
+            </a:r>
+            <a:endParaRPr lang="en-SG" sz="2400" b="1" dirty="0"/>
+          </a:p>
+        </p:txBody>
+      </p:sp>
+      <p:sp>
+        <p:nvSpPr>
+          <p:cNvPr id="13" name="TextBox 12"/>
+          <p:cNvSpPr txBox="1"/>
+          <p:nvPr/>
+        </p:nvSpPr>
+        <p:spPr>
+          <a:xfrm>
+            <a:off x="3025132" y="3140156"/>
+            <a:ext cx="662361" cy="461665"/>
+          </a:xfrm>
+          <a:prstGeom prst="rect">
+            <a:avLst/>
+          </a:prstGeom>
+          <a:noFill/>
+        </p:spPr>
+        <p:txBody>
+          <a:bodyPr wrap="none" rtlCol="0">
+            <a:spAutoFit/>
+          </a:bodyPr>
+          <a:lstStyle/>
+          <a:p>
+            <a:r>
+              <a:rPr lang="en-SG" sz="2400" b="1" dirty="0" smtClean="0"/>
+              <a:t>GUI</a:t>
+            </a:r>
+            <a:endParaRPr lang="en-SG" sz="2400" b="1" dirty="0"/>
+          </a:p>
+        </p:txBody>
+      </p:sp>
+      <p:sp>
+        <p:nvSpPr>
+          <p:cNvPr id="14" name="TextBox 13"/>
+          <p:cNvSpPr txBox="1"/>
+          <p:nvPr/>
+        </p:nvSpPr>
+        <p:spPr>
+          <a:xfrm>
+            <a:off x="7803167" y="5481189"/>
+            <a:ext cx="1152623" cy="461665"/>
+          </a:xfrm>
+          <a:prstGeom prst="rect">
+            <a:avLst/>
+          </a:prstGeom>
+          <a:noFill/>
+        </p:spPr>
+        <p:txBody>
+          <a:bodyPr wrap="none" rtlCol="0">
+            <a:spAutoFit/>
+          </a:bodyPr>
+          <a:lstStyle/>
+          <a:p>
+            <a:r>
+              <a:rPr lang="en-SG" sz="2400" b="1" dirty="0" smtClean="0"/>
+              <a:t>Storage</a:t>
+            </a:r>
+            <a:endParaRPr lang="en-SG" sz="2400" b="1" dirty="0"/>
+          </a:p>
+        </p:txBody>
+      </p:sp>
+      <p:sp>
+        <p:nvSpPr>
+          <p:cNvPr id="15" name="TextBox 14"/>
+          <p:cNvSpPr txBox="1"/>
+          <p:nvPr/>
+        </p:nvSpPr>
+        <p:spPr>
+          <a:xfrm>
+            <a:off x="8011044" y="3197676"/>
+            <a:ext cx="736868" cy="461665"/>
+          </a:xfrm>
+          <a:prstGeom prst="rect">
+            <a:avLst/>
+          </a:prstGeom>
+          <a:noFill/>
+        </p:spPr>
+        <p:txBody>
+          <a:bodyPr wrap="none" rtlCol="0">
+            <a:spAutoFit/>
+          </a:bodyPr>
+          <a:lstStyle/>
+          <a:p>
+            <a:r>
+              <a:rPr lang="en-SG" sz="2400" b="1" dirty="0"/>
+              <a:t>Task</a:t>
+            </a:r>
+            <a:endParaRPr lang="en-SG" sz="2400" b="1" dirty="0"/>
+          </a:p>
+        </p:txBody>
+      </p:sp>
       <p:cxnSp>
         <p:nvCxnSpPr>
           <p:cNvPr id="21" name="Straight Arrow Connector 20"/>
@@ -3420,18 +3436,18 @@
         </p:nvCxnSpPr>
         <p:spPr>
           <a:xfrm>
-            <a:off x="6519718" y="964010"/>
-            <a:ext cx="2297565" cy="0"/>
+            <a:off x="4031313" y="3370988"/>
+            <a:ext cx="1270683" cy="0"/>
           </a:xfrm>
           <a:prstGeom prst="straightConnector1">
             <a:avLst/>
           </a:prstGeom>
-          <a:ln w="88900">
+          <a:ln w="60325">
             <a:solidFill>
               <a:schemeClr val="tx1"/>
             </a:solidFill>
             <a:prstDash val="sysDash"/>
-            <a:tailEnd type="triangle"/>
+            <a:tailEnd type="arrow"/>
           </a:ln>
         </p:spPr>
         <p:style>
@@ -3452,23 +3468,26 @@
       <p:cxnSp>
         <p:nvCxnSpPr>
           <p:cNvPr id="22" name="Straight Arrow Connector 21"/>
-          <p:cNvCxnSpPr/>
+          <p:cNvCxnSpPr>
+            <a:stCxn id="7" idx="2"/>
+            <a:endCxn id="9" idx="0"/>
+          </p:cNvCxnSpPr>
           <p:nvPr/>
         </p:nvCxnSpPr>
         <p:spPr>
           <a:xfrm>
-            <a:off x="6519718" y="3429000"/>
-            <a:ext cx="2297565" cy="0"/>
+            <a:off x="8379479" y="2105222"/>
+            <a:ext cx="0" cy="367856"/>
           </a:xfrm>
           <a:prstGeom prst="straightConnector1">
             <a:avLst/>
           </a:prstGeom>
-          <a:ln w="88900">
+          <a:ln w="60325">
             <a:solidFill>
               <a:schemeClr val="tx1"/>
             </a:solidFill>
             <a:prstDash val="sysDash"/>
-            <a:tailEnd type="triangle"/>
+            <a:tailEnd type="arrow"/>
           </a:ln>
         </p:spPr>
         <p:style>
@@ -3488,27 +3507,104 @@
       </p:cxnSp>
       <p:cxnSp>
         <p:nvCxnSpPr>
-          <p:cNvPr id="23" name="Straight Arrow Connector 22"/>
+          <p:cNvPr id="16" name="Elbow Connector 15"/>
           <p:cNvCxnSpPr>
-            <a:stCxn id="9" idx="2"/>
-            <a:endCxn id="7" idx="0"/>
+            <a:stCxn id="6" idx="2"/>
+            <a:endCxn id="8" idx="1"/>
           </p:cNvCxnSpPr>
           <p:nvPr/>
         </p:nvCxnSpPr>
         <p:spPr>
-          <a:xfrm>
-            <a:off x="10077283" y="2115324"/>
-            <a:ext cx="0" cy="1082354"/>
-          </a:xfrm>
-          <a:prstGeom prst="straightConnector1">
+          <a:xfrm rot="16200000" flipH="1">
+            <a:off x="6476809" y="4313264"/>
+            <a:ext cx="727856" cy="1727483"/>
+          </a:xfrm>
+          <a:prstGeom prst="bentConnector2">
             <a:avLst/>
           </a:prstGeom>
-          <a:ln w="88900">
+          <a:ln w="60325">
             <a:solidFill>
               <a:schemeClr val="tx1"/>
             </a:solidFill>
             <a:prstDash val="sysDash"/>
-            <a:tailEnd type="triangle"/>
+            <a:tailEnd type="arrow"/>
+          </a:ln>
+        </p:spPr>
+        <p:style>
+          <a:lnRef idx="1">
+            <a:schemeClr val="accent1"/>
+          </a:lnRef>
+          <a:fillRef idx="0">
+            <a:schemeClr val="accent1"/>
+          </a:fillRef>
+          <a:effectRef idx="0">
+            <a:schemeClr val="accent1"/>
+          </a:effectRef>
+          <a:fontRef idx="minor">
+            <a:schemeClr val="tx1"/>
+          </a:fontRef>
+        </p:style>
+      </p:cxnSp>
+      <p:sp>
+        <p:nvSpPr>
+          <p:cNvPr id="24" name="Smiley Face 23"/>
+          <p:cNvSpPr/>
+          <p:nvPr/>
+        </p:nvSpPr>
+        <p:spPr>
+          <a:xfrm>
+            <a:off x="614054" y="2985401"/>
+            <a:ext cx="796576" cy="808289"/>
+          </a:xfrm>
+          <a:prstGeom prst="smileyFace">
+            <a:avLst/>
+          </a:prstGeom>
+        </p:spPr>
+        <p:style>
+          <a:lnRef idx="1">
+            <a:schemeClr val="accent6"/>
+          </a:lnRef>
+          <a:fillRef idx="2">
+            <a:schemeClr val="accent6"/>
+          </a:fillRef>
+          <a:effectRef idx="1">
+            <a:schemeClr val="accent6"/>
+          </a:effectRef>
+          <a:fontRef idx="minor">
+            <a:schemeClr val="dk1"/>
+          </a:fontRef>
+        </p:style>
+        <p:txBody>
+          <a:bodyPr rtlCol="0" anchor="ctr"/>
+          <a:lstStyle/>
+          <a:p>
+            <a:pPr algn="ctr"/>
+            <a:endParaRPr lang="en-SG"/>
+          </a:p>
+        </p:txBody>
+      </p:sp>
+      <p:cxnSp>
+        <p:nvCxnSpPr>
+          <p:cNvPr id="31" name="Straight Arrow Connector 30"/>
+          <p:cNvCxnSpPr>
+            <a:endCxn id="9" idx="1"/>
+          </p:cNvCxnSpPr>
+          <p:nvPr/>
+        </p:nvCxnSpPr>
+        <p:spPr>
+          <a:xfrm flipV="1">
+            <a:off x="6651996" y="3373078"/>
+            <a:ext cx="1052483" cy="16468"/>
+          </a:xfrm>
+          <a:prstGeom prst="straightConnector1">
+            <a:avLst/>
+          </a:prstGeom>
+          <a:ln w="60325">
+            <a:solidFill>
+              <a:schemeClr val="tx1"/>
+            </a:solidFill>
+            <a:prstDash val="sysDash"/>
+            <a:tailEnd type="arrow"/>
           </a:ln>
         </p:spPr>
         <p:style>
@@ -3528,27 +3624,184 @@
       </p:cxnSp>
       <p:cxnSp>
         <p:nvCxnSpPr>
-          <p:cNvPr id="30" name="Elbow Connector 29"/>
+          <p:cNvPr id="34" name="Elbow Connector 33"/>
           <p:cNvCxnSpPr>
-            <a:stCxn id="6" idx="2"/>
-            <a:endCxn id="8" idx="1"/>
+            <a:stCxn id="6" idx="0"/>
+            <a:endCxn id="7" idx="1"/>
           </p:cNvCxnSpPr>
           <p:nvPr/>
         </p:nvCxnSpPr>
         <p:spPr>
-          <a:xfrm rot="16200000" flipH="1">
-            <a:off x="5475953" y="4961442"/>
-            <a:ext cx="896312" cy="968783"/>
+          <a:xfrm rot="5400000" flipH="1" flipV="1">
+            <a:off x="6476809" y="705409"/>
+            <a:ext cx="727856" cy="1727483"/>
           </a:xfrm>
           <a:prstGeom prst="bentConnector2">
             <a:avLst/>
           </a:prstGeom>
-          <a:ln w="88900">
+          <a:ln w="60325">
             <a:solidFill>
               <a:schemeClr val="tx1"/>
             </a:solidFill>
-            <a:headEnd type="triangle"/>
-            <a:tailEnd type="triangle"/>
+            <a:prstDash val="sysDash"/>
+            <a:tailEnd type="arrow"/>
+          </a:ln>
+        </p:spPr>
+        <p:style>
+          <a:lnRef idx="1">
+            <a:schemeClr val="accent1"/>
+          </a:lnRef>
+          <a:fillRef idx="0">
+            <a:schemeClr val="accent1"/>
+          </a:fillRef>
+          <a:effectRef idx="0">
+            <a:schemeClr val="accent1"/>
+          </a:effectRef>
+          <a:fontRef idx="minor">
+            <a:schemeClr val="tx1"/>
+          </a:fontRef>
+        </p:style>
+      </p:cxnSp>
+      <p:sp>
+        <p:nvSpPr>
+          <p:cNvPr id="40" name="Flowchart: Magnetic Disk 39"/>
+          <p:cNvSpPr/>
+          <p:nvPr/>
+        </p:nvSpPr>
+        <p:spPr>
+          <a:xfrm>
+            <a:off x="10285160" y="4640934"/>
+            <a:ext cx="1352550" cy="1800000"/>
+          </a:xfrm>
+          <a:prstGeom prst="flowChartMagneticDisk">
+            <a:avLst/>
+          </a:prstGeom>
+          <a:solidFill>
+            <a:schemeClr val="tx2">
+              <a:lumMod val="40000"/>
+              <a:lumOff val="60000"/>
+              <a:alpha val="74000"/>
+            </a:schemeClr>
+          </a:solidFill>
+        </p:spPr>
+        <p:style>
+          <a:lnRef idx="2">
+            <a:schemeClr val="accent1">
+              <a:shade val="50000"/>
+            </a:schemeClr>
+          </a:lnRef>
+          <a:fillRef idx="1">
+            <a:schemeClr val="accent1"/>
+          </a:fillRef>
+          <a:effectRef idx="0">
+            <a:schemeClr val="accent1"/>
+          </a:effectRef>
+          <a:fontRef idx="minor">
+            <a:schemeClr val="lt1"/>
+          </a:fontRef>
+        </p:style>
+        <p:txBody>
+          <a:bodyPr rtlCol="0" anchor="ctr"/>
+          <a:lstStyle/>
+          <a:p>
+            <a:pPr algn="ctr"/>
+            <a:endParaRPr lang="en-SG"/>
+          </a:p>
+        </p:txBody>
+      </p:sp>
+      <p:sp>
+        <p:nvSpPr>
+          <p:cNvPr id="41" name="TextBox 40"/>
+          <p:cNvSpPr txBox="1"/>
+          <p:nvPr/>
+        </p:nvSpPr>
+        <p:spPr>
+          <a:xfrm>
+            <a:off x="10288896" y="5481188"/>
+            <a:ext cx="1410386" cy="461665"/>
+          </a:xfrm>
+          <a:prstGeom prst="rect">
+            <a:avLst/>
+          </a:prstGeom>
+          <a:noFill/>
+        </p:spPr>
+        <p:txBody>
+          <a:bodyPr wrap="none" rtlCol="0">
+            <a:spAutoFit/>
+          </a:bodyPr>
+          <a:lstStyle/>
+          <a:p>
+            <a:r>
+              <a:rPr lang="en-SG" sz="2400" b="1" dirty="0" smtClean="0"/>
+              <a:t>Hard Disk</a:t>
+            </a:r>
+            <a:endParaRPr lang="en-SG" sz="2400" b="1" dirty="0"/>
+          </a:p>
+        </p:txBody>
+      </p:sp>
+      <p:cxnSp>
+        <p:nvCxnSpPr>
+          <p:cNvPr id="42" name="Straight Arrow Connector 41"/>
+          <p:cNvCxnSpPr>
+            <a:stCxn id="24" idx="6"/>
+            <a:endCxn id="5" idx="1"/>
+          </p:cNvCxnSpPr>
+          <p:nvPr/>
+        </p:nvCxnSpPr>
+        <p:spPr>
+          <a:xfrm flipV="1">
+            <a:off x="1410630" y="3373078"/>
+            <a:ext cx="1270683" cy="16468"/>
+          </a:xfrm>
+          <a:prstGeom prst="straightConnector1">
+            <a:avLst/>
+          </a:prstGeom>
+          <a:ln w="60325">
+            <a:solidFill>
+              <a:schemeClr val="tx1"/>
+            </a:solidFill>
+            <a:prstDash val="sysDash"/>
+            <a:tailEnd type="arrow"/>
+          </a:ln>
+        </p:spPr>
+        <p:style>
+          <a:lnRef idx="1">
+            <a:schemeClr val="accent1"/>
+          </a:lnRef>
+          <a:fillRef idx="0">
+            <a:schemeClr val="accent1"/>
+          </a:fillRef>
+          <a:effectRef idx="0">
+            <a:schemeClr val="accent1"/>
+          </a:effectRef>
+          <a:fontRef idx="minor">
+            <a:schemeClr val="tx1"/>
+          </a:fontRef>
+        </p:style>
+      </p:cxnSp>
+      <p:cxnSp>
+        <p:nvCxnSpPr>
+          <p:cNvPr id="46" name="Straight Arrow Connector 45"/>
+          <p:cNvCxnSpPr>
+            <a:stCxn id="8" idx="3"/>
+            <a:endCxn id="40" idx="2"/>
+          </p:cNvCxnSpPr>
+          <p:nvPr/>
+        </p:nvCxnSpPr>
+        <p:spPr>
+          <a:xfrm>
+            <a:off x="9054479" y="5540934"/>
+            <a:ext cx="1230681" cy="0"/>
+          </a:xfrm>
+          <a:prstGeom prst="straightConnector1">
+            <a:avLst/>
+          </a:prstGeom>
+          <a:ln w="60325">
+            <a:solidFill>
+              <a:schemeClr val="tx1"/>
+            </a:solidFill>
+            <a:prstDash val="sysDash"/>
+            <a:tailEnd type="arrow"/>
           </a:ln>
         </p:spPr>
         <p:style>
